--- a/source/Security/images_SpringSecurity/materialSpringSecurity.pptx
+++ b/source/Security/images_SpringSecurity/materialSpringSecurity.pptx
@@ -209,7 +209,7 @@
             <a:fld id="{3BB47352-BF5A-4CD2-B029-996118CD8E01}" type="datetimeFigureOut">
               <a:rPr kumimoji="1" lang="ja-JP" altLang="en-US" smtClean="0"/>
               <a:pPr/>
-              <a:t>2016/1/14</a:t>
+              <a:t>2017/9/28</a:t>
             </a:fld>
             <a:endParaRPr kumimoji="1" lang="ja-JP" altLang="en-US"/>
           </a:p>
@@ -692,7 +692,7 @@
             <a:fld id="{7B9B12EC-6AA0-374B-A2D3-850081A07A26}" type="datetimeFigureOut">
               <a:rPr kumimoji="1" lang="ja-JP" altLang="en-US" smtClean="0"/>
               <a:pPr/>
-              <a:t>2016/1/14</a:t>
+              <a:t>2017/9/28</a:t>
             </a:fld>
             <a:endParaRPr kumimoji="1" lang="ja-JP" altLang="en-US"/>
           </a:p>
@@ -896,7 +896,7 @@
             <a:fld id="{7B9B12EC-6AA0-374B-A2D3-850081A07A26}" type="datetimeFigureOut">
               <a:rPr kumimoji="1" lang="ja-JP" altLang="en-US" smtClean="0"/>
               <a:pPr/>
-              <a:t>2016/1/14</a:t>
+              <a:t>2017/9/28</a:t>
             </a:fld>
             <a:endParaRPr kumimoji="1" lang="ja-JP" altLang="en-US"/>
           </a:p>
@@ -1110,7 +1110,7 @@
             <a:fld id="{7B9B12EC-6AA0-374B-A2D3-850081A07A26}" type="datetimeFigureOut">
               <a:rPr kumimoji="1" lang="ja-JP" altLang="en-US" smtClean="0"/>
               <a:pPr/>
-              <a:t>2016/1/14</a:t>
+              <a:t>2017/9/28</a:t>
             </a:fld>
             <a:endParaRPr kumimoji="1" lang="ja-JP" altLang="en-US"/>
           </a:p>
@@ -1314,7 +1314,7 @@
             <a:fld id="{7B9B12EC-6AA0-374B-A2D3-850081A07A26}" type="datetimeFigureOut">
               <a:rPr kumimoji="1" lang="ja-JP" altLang="en-US" smtClean="0"/>
               <a:pPr/>
-              <a:t>2016/1/14</a:t>
+              <a:t>2017/9/28</a:t>
             </a:fld>
             <a:endParaRPr kumimoji="1" lang="ja-JP" altLang="en-US"/>
           </a:p>
@@ -1562,7 +1562,7 @@
             <a:fld id="{7B9B12EC-6AA0-374B-A2D3-850081A07A26}" type="datetimeFigureOut">
               <a:rPr kumimoji="1" lang="ja-JP" altLang="en-US" smtClean="0"/>
               <a:pPr/>
-              <a:t>2016/1/14</a:t>
+              <a:t>2017/9/28</a:t>
             </a:fld>
             <a:endParaRPr kumimoji="1" lang="ja-JP" altLang="en-US"/>
           </a:p>
@@ -1916,7 +1916,7 @@
             <a:fld id="{7B9B12EC-6AA0-374B-A2D3-850081A07A26}" type="datetimeFigureOut">
               <a:rPr kumimoji="1" lang="ja-JP" altLang="en-US" smtClean="0"/>
               <a:pPr/>
-              <a:t>2016/1/14</a:t>
+              <a:t>2017/9/28</a:t>
             </a:fld>
             <a:endParaRPr kumimoji="1" lang="ja-JP" altLang="en-US"/>
           </a:p>
@@ -2404,7 +2404,7 @@
             <a:fld id="{7B9B12EC-6AA0-374B-A2D3-850081A07A26}" type="datetimeFigureOut">
               <a:rPr kumimoji="1" lang="ja-JP" altLang="en-US" smtClean="0"/>
               <a:pPr/>
-              <a:t>2016/1/14</a:t>
+              <a:t>2017/9/28</a:t>
             </a:fld>
             <a:endParaRPr kumimoji="1" lang="ja-JP" altLang="en-US"/>
           </a:p>
@@ -2524,7 +2524,7 @@
             <a:fld id="{7B9B12EC-6AA0-374B-A2D3-850081A07A26}" type="datetimeFigureOut">
               <a:rPr kumimoji="1" lang="ja-JP" altLang="en-US" smtClean="0"/>
               <a:pPr/>
-              <a:t>2016/1/14</a:t>
+              <a:t>2017/9/28</a:t>
             </a:fld>
             <a:endParaRPr kumimoji="1" lang="ja-JP" altLang="en-US"/>
           </a:p>
@@ -2621,7 +2621,7 @@
             <a:fld id="{7B9B12EC-6AA0-374B-A2D3-850081A07A26}" type="datetimeFigureOut">
               <a:rPr kumimoji="1" lang="ja-JP" altLang="en-US" smtClean="0"/>
               <a:pPr/>
-              <a:t>2016/1/14</a:t>
+              <a:t>2017/9/28</a:t>
             </a:fld>
             <a:endParaRPr kumimoji="1" lang="ja-JP" altLang="en-US"/>
           </a:p>
@@ -2932,7 +2932,7 @@
             <a:fld id="{7B9B12EC-6AA0-374B-A2D3-850081A07A26}" type="datetimeFigureOut">
               <a:rPr kumimoji="1" lang="ja-JP" altLang="en-US" smtClean="0"/>
               <a:pPr/>
-              <a:t>2016/1/14</a:t>
+              <a:t>2017/9/28</a:t>
             </a:fld>
             <a:endParaRPr kumimoji="1" lang="ja-JP" altLang="en-US"/>
           </a:p>
@@ -3187,7 +3187,7 @@
             <a:fld id="{7B9B12EC-6AA0-374B-A2D3-850081A07A26}" type="datetimeFigureOut">
               <a:rPr kumimoji="1" lang="ja-JP" altLang="en-US" smtClean="0"/>
               <a:pPr/>
-              <a:t>2016/1/14</a:t>
+              <a:t>2017/9/28</a:t>
             </a:fld>
             <a:endParaRPr kumimoji="1" lang="ja-JP" altLang="en-US"/>
           </a:p>
@@ -3434,7 +3434,7 @@
             <a:fld id="{7B9B12EC-6AA0-374B-A2D3-850081A07A26}" type="datetimeFigureOut">
               <a:rPr kumimoji="1" lang="ja-JP" altLang="en-US" smtClean="0"/>
               <a:pPr/>
-              <a:t>2016/1/14</a:t>
+              <a:t>2017/9/28</a:t>
             </a:fld>
             <a:endParaRPr kumimoji="1" lang="ja-JP" altLang="en-US"/>
           </a:p>
@@ -4778,7 +4778,7 @@
           <a:p>
             <a:pPr algn="ctr"/>
             <a:r>
-              <a:rPr lang="en-US" altLang="ja-JP" dirty="0" err="1">
+              <a:rPr lang="en-US" altLang="ja-JP" dirty="0" smtClean="0">
                 <a:solidFill>
                   <a:schemeClr val="tx1">
                     <a:lumMod val="75000"/>
@@ -4788,7 +4788,23 @@
                 <a:latin typeface="HGP創英角ｺﾞｼｯｸUB" panose="020B0900000000000000" pitchFamily="50" charset="-128"/>
                 <a:ea typeface="HGP創英角ｺﾞｼｯｸUB" panose="020B0900000000000000" pitchFamily="50" charset="-128"/>
               </a:rPr>
-              <a:t>jsp</a:t>
+              <a:t>Thyme</a:t>
+            </a:r>
+          </a:p>
+          <a:p>
+            <a:pPr algn="ctr"/>
+            <a:r>
+              <a:rPr lang="en-US" altLang="ja-JP" dirty="0" smtClean="0">
+                <a:solidFill>
+                  <a:schemeClr val="tx1">
+                    <a:lumMod val="75000"/>
+                    <a:lumOff val="25000"/>
+                  </a:schemeClr>
+                </a:solidFill>
+                <a:latin typeface="HGP創英角ｺﾞｼｯｸUB" panose="020B0900000000000000" pitchFamily="50" charset="-128"/>
+                <a:ea typeface="HGP創英角ｺﾞｼｯｸUB" panose="020B0900000000000000" pitchFamily="50" charset="-128"/>
+              </a:rPr>
+              <a:t>leaf</a:t>
             </a:r>
             <a:endParaRPr lang="en-US" altLang="ja-JP" dirty="0">
               <a:solidFill>
